--- a/Sistema di logging distribuito - Cassandra.pptx
+++ b/Sistema di logging distribuito - Cassandra.pptx
@@ -237,7 +237,7 @@
             <a:pPr rtl="0"/>
             <a:fld id="{6724D395-066A-4F84-B1F6-A3F921994FFC}" type="datetime1">
               <a:rPr lang="it-IT" smtClean="0"/>
-              <a:t>28/05/2025</a:t>
+              <a:t>05/06/2025</a:t>
             </a:fld>
             <a:endParaRPr lang="it-IT" dirty="0"/>
           </a:p>
@@ -418,7 +418,7 @@
             <a:fld id="{8E5CCF99-E88A-4792-B58A-FDEDC94DDECB}" type="datetime1">
               <a:rPr lang="it-IT" smtClean="0"/>
               <a:pPr/>
-              <a:t>28/05/2025</a:t>
+              <a:t>05/06/2025</a:t>
             </a:fld>
             <a:endParaRPr lang="it-IT" dirty="0"/>
           </a:p>
@@ -12464,7 +12464,7 @@
         </p:blipFill>
         <p:spPr>
           <a:xfrm>
-            <a:off x="1387642" y="3665319"/>
+            <a:off x="1558136" y="3665319"/>
             <a:ext cx="5486400" cy="2960370"/>
           </a:xfrm>
           <a:prstGeom prst="rect">
